--- a/legaus (1).pptx
+++ b/legaus (1).pptx
@@ -169,6 +169,67 @@
 </p:cmAuthorLst>
 </file>
 
+<file path=ppt/changesInfos/changesInfo1.xml><?xml version="1.0" encoding="utf-8"?>
+<pc:chgInfo xmlns:a="http://schemas.openxmlformats.org/drawingml/2006/main" xmlns:r="http://schemas.openxmlformats.org/officeDocument/2006/relationships" xmlns:ac="http://schemas.microsoft.com/office/drawing/2013/main/command" xmlns:pc="http://schemas.microsoft.com/office/powerpoint/2013/main/command">
+  <pc:docChgLst>
+    <pc:chgData name="Mateus Maciel Vivaldi" userId="e7a01b2c0ff13c9a" providerId="LiveId" clId="{593D6E1E-216F-44C4-9F1C-F369937FB7BA}"/>
+    <pc:docChg chg="modSld">
+      <pc:chgData name="Mateus Maciel Vivaldi" userId="e7a01b2c0ff13c9a" providerId="LiveId" clId="{593D6E1E-216F-44C4-9F1C-F369937FB7BA}" dt="2022-05-28T11:18:30.442" v="48" actId="6549"/>
+      <pc:docMkLst>
+        <pc:docMk/>
+      </pc:docMkLst>
+      <pc:sldChg chg="modSp mod">
+        <pc:chgData name="Mateus Maciel Vivaldi" userId="e7a01b2c0ff13c9a" providerId="LiveId" clId="{593D6E1E-216F-44C4-9F1C-F369937FB7BA}" dt="2022-05-28T11:18:30.442" v="48" actId="6549"/>
+        <pc:sldMkLst>
+          <pc:docMk/>
+          <pc:sldMk cId="794762297" sldId="329"/>
+        </pc:sldMkLst>
+        <pc:spChg chg="mod">
+          <ac:chgData name="Mateus Maciel Vivaldi" userId="e7a01b2c0ff13c9a" providerId="LiveId" clId="{593D6E1E-216F-44C4-9F1C-F369937FB7BA}" dt="2022-05-28T11:18:26.534" v="47" actId="20577"/>
+          <ac:spMkLst>
+            <pc:docMk/>
+            <pc:sldMk cId="794762297" sldId="329"/>
+            <ac:spMk id="3" creationId="{843A454F-6AF3-498F-AA20-805DEB394E8F}"/>
+          </ac:spMkLst>
+        </pc:spChg>
+        <pc:spChg chg="mod">
+          <ac:chgData name="Mateus Maciel Vivaldi" userId="e7a01b2c0ff13c9a" providerId="LiveId" clId="{593D6E1E-216F-44C4-9F1C-F369937FB7BA}" dt="2022-05-28T11:16:41.077" v="14" actId="20577"/>
+          <ac:spMkLst>
+            <pc:docMk/>
+            <pc:sldMk cId="794762297" sldId="329"/>
+            <ac:spMk id="4" creationId="{690BF28D-A3B4-4F0C-8281-9CAC1ABBFD80}"/>
+          </ac:spMkLst>
+        </pc:spChg>
+        <pc:spChg chg="mod">
+          <ac:chgData name="Mateus Maciel Vivaldi" userId="e7a01b2c0ff13c9a" providerId="LiveId" clId="{593D6E1E-216F-44C4-9F1C-F369937FB7BA}" dt="2022-05-28T11:18:14.944" v="16" actId="20577"/>
+          <ac:spMkLst>
+            <pc:docMk/>
+            <pc:sldMk cId="794762297" sldId="329"/>
+            <ac:spMk id="5" creationId="{B3BB178A-F337-4F5E-B86B-29A833090D9B}"/>
+          </ac:spMkLst>
+        </pc:spChg>
+        <pc:spChg chg="mod">
+          <ac:chgData name="Mateus Maciel Vivaldi" userId="e7a01b2c0ff13c9a" providerId="LiveId" clId="{593D6E1E-216F-44C4-9F1C-F369937FB7BA}" dt="2022-05-28T11:18:20.188" v="28" actId="20577"/>
+          <ac:spMkLst>
+            <pc:docMk/>
+            <pc:sldMk cId="794762297" sldId="329"/>
+            <ac:spMk id="6" creationId="{82AAFDFB-49E7-442D-A212-DE9613E35861}"/>
+          </ac:spMkLst>
+        </pc:spChg>
+        <pc:spChg chg="mod">
+          <ac:chgData name="Mateus Maciel Vivaldi" userId="e7a01b2c0ff13c9a" providerId="LiveId" clId="{593D6E1E-216F-44C4-9F1C-F369937FB7BA}" dt="2022-05-28T11:18:30.442" v="48" actId="6549"/>
+          <ac:spMkLst>
+            <pc:docMk/>
+            <pc:sldMk cId="794762297" sldId="329"/>
+            <ac:spMk id="7" creationId="{75FEF60E-8D91-410D-90A7-7AC044CA8C7A}"/>
+          </ac:spMkLst>
+        </pc:spChg>
+      </pc:sldChg>
+    </pc:docChg>
+  </pc:docChgLst>
+</pc:chgInfo>
+</file>
+
 <file path=ppt/notesMasters/notesMaster1.xml><?xml version="1.0" encoding="utf-8"?>
 <p:notesMaster xmlns:a="http://schemas.openxmlformats.org/drawingml/2006/main" xmlns:r="http://schemas.openxmlformats.org/officeDocument/2006/relationships" xmlns:p="http://schemas.openxmlformats.org/presentationml/2006/main">
   <p:cSld>
@@ -251,7 +312,7 @@
           <a:p>
             <a:fld id="{6BB3A2D2-4F14-4AFD-819A-04F1637E766E}" type="datetimeFigureOut">
               <a:rPr lang="pt-BR" smtClean="0"/>
-              <a:t>24/05/2022</a:t>
+              <a:t>28/05/2022</a:t>
             </a:fld>
             <a:endParaRPr lang="pt-BR"/>
           </a:p>
@@ -4534,8 +4595,8 @@
         </p:nvSpPr>
         <p:spPr>
           <a:xfrm>
-            <a:off x="1482571" y="2902998"/>
-            <a:ext cx="1376082" cy="369332"/>
+            <a:off x="308584" y="2902998"/>
+            <a:ext cx="3843286" cy="369332"/>
           </a:xfrm>
           <a:prstGeom prst="rect">
             <a:avLst/>
@@ -4543,17 +4604,33 @@
           <a:noFill/>
         </p:spPr>
         <p:txBody>
-          <a:bodyPr wrap="none" rtlCol="0">
+          <a:bodyPr wrap="square" rtlCol="0">
             <a:spAutoFit/>
           </a:bodyPr>
           <a:lstStyle/>
           <a:p>
+            <a:pPr algn="ctr"/>
+            <a:r>
+              <a:rPr lang="pt-BR" dirty="0" err="1">
+                <a:latin typeface="Trebuchet MS" panose="020B0603020202020204" pitchFamily="34" charset="0"/>
+              </a:rPr>
+              <a:t>Water</a:t>
+            </a:r>
             <a:r>
               <a:rPr lang="pt-BR" dirty="0">
                 <a:latin typeface="Trebuchet MS" panose="020B0603020202020204" pitchFamily="34" charset="0"/>
               </a:rPr>
-              <a:t>O Problema</a:t>
-            </a:r>
+              <a:t> </a:t>
+            </a:r>
+            <a:r>
+              <a:rPr lang="pt-BR" dirty="0" err="1">
+                <a:latin typeface="Trebuchet MS" panose="020B0603020202020204" pitchFamily="34" charset="0"/>
+              </a:rPr>
+              <a:t>Spiral</a:t>
+            </a:r>
+            <a:endParaRPr lang="pt-BR" dirty="0">
+              <a:latin typeface="Trebuchet MS" panose="020B0603020202020204" pitchFamily="34" charset="0"/>
+            </a:endParaRPr>
           </a:p>
         </p:txBody>
       </p:sp>
@@ -4600,7 +4677,7 @@
                 </a:solidFill>
                 <a:latin typeface="Trebuchet MS" panose="020B0603020202020204" pitchFamily="34" charset="0"/>
               </a:rPr>
-              <a:t>Problema 00:</a:t>
+              <a:t>Problema 09:</a:t>
             </a:r>
             <a:endParaRPr lang="pt-BR" sz="2400" i="1" dirty="0">
               <a:solidFill>
@@ -4643,6 +4720,18 @@
           <a:lstStyle/>
           <a:p>
             <a:r>
+              <a:rPr lang="pt-BR" sz="2800" i="1" dirty="0" err="1">
+                <a:solidFill>
+                  <a:schemeClr val="tx1">
+                    <a:lumMod val="95000"/>
+                    <a:lumOff val="5000"/>
+                  </a:schemeClr>
+                </a:solidFill>
+                <a:latin typeface="+mj-lt"/>
+              </a:rPr>
+              <a:t>Water</a:t>
+            </a:r>
+            <a:r>
               <a:rPr lang="pt-BR" sz="2800" i="1" dirty="0">
                 <a:solidFill>
                   <a:schemeClr val="tx1">
@@ -4652,7 +4741,19 @@
                 </a:solidFill>
                 <a:latin typeface="+mj-lt"/>
               </a:rPr>
-              <a:t>Nome do problema</a:t>
+              <a:t> </a:t>
+            </a:r>
+            <a:r>
+              <a:rPr lang="pt-BR" sz="2800" i="1" dirty="0" err="1">
+                <a:solidFill>
+                  <a:schemeClr val="tx1">
+                    <a:lumMod val="95000"/>
+                    <a:lumOff val="5000"/>
+                  </a:schemeClr>
+                </a:solidFill>
+                <a:latin typeface="+mj-lt"/>
+              </a:rPr>
+              <a:t>Spiral</a:t>
             </a:r>
             <a:endParaRPr lang="pt-BR" sz="2800" dirty="0">
               <a:solidFill>
@@ -4697,8 +4798,29 @@
               <a:rPr lang="pt-BR" dirty="0">
                 <a:latin typeface="Trebuchet MS" panose="020B0603020202020204" pitchFamily="34" charset="0"/>
               </a:rPr>
-              <a:t>Nome do opositor</a:t>
-            </a:r>
+              <a:t>Lucas </a:t>
+            </a:r>
+            <a:r>
+              <a:rPr lang="pt-BR" dirty="0" err="1">
+                <a:latin typeface="Trebuchet MS" panose="020B0603020202020204" pitchFamily="34" charset="0"/>
+              </a:rPr>
+              <a:t>Zanoni</a:t>
+            </a:r>
+            <a:r>
+              <a:rPr lang="pt-BR" dirty="0">
+                <a:latin typeface="Trebuchet MS" panose="020B0603020202020204" pitchFamily="34" charset="0"/>
+              </a:rPr>
+              <a:t> </a:t>
+            </a:r>
+            <a:r>
+              <a:rPr lang="pt-BR" dirty="0" err="1">
+                <a:latin typeface="Trebuchet MS" panose="020B0603020202020204" pitchFamily="34" charset="0"/>
+              </a:rPr>
+              <a:t>Davoli</a:t>
+            </a:r>
+            <a:endParaRPr lang="pt-BR" dirty="0">
+              <a:latin typeface="Trebuchet MS" panose="020B0603020202020204" pitchFamily="34" charset="0"/>
+            </a:endParaRPr>
           </a:p>
         </p:txBody>
       </p:sp>
@@ -4717,7 +4839,7 @@
         <p:spPr>
           <a:xfrm>
             <a:off x="308584" y="3178859"/>
-            <a:ext cx="3843286" cy="2485617"/>
+            <a:ext cx="3843286" cy="508794"/>
           </a:xfrm>
           <a:prstGeom prst="rect">
             <a:avLst/>
@@ -4735,456 +4857,6 @@
                 <a:spcPct val="200000"/>
               </a:lnSpc>
             </a:pPr>
-            <a:r>
-              <a:rPr lang="pt-BR" sz="1600" b="0" i="1" dirty="0">
-                <a:solidFill>
-                  <a:srgbClr val="64686D"/>
-                </a:solidFill>
-                <a:effectLst/>
-                <a:latin typeface="Trebuchet MS" panose="020B0603020202020204" pitchFamily="34" charset="0"/>
-              </a:rPr>
-              <a:t>A </a:t>
-            </a:r>
-            <a:r>
-              <a:rPr lang="pt-BR" sz="1600" b="0" i="1" dirty="0" err="1">
-                <a:solidFill>
-                  <a:srgbClr val="64686D"/>
-                </a:solidFill>
-                <a:effectLst/>
-                <a:latin typeface="Trebuchet MS" panose="020B0603020202020204" pitchFamily="34" charset="0"/>
-              </a:rPr>
-              <a:t>washer</a:t>
-            </a:r>
-            <a:r>
-              <a:rPr lang="pt-BR" sz="1600" b="0" i="1" dirty="0">
-                <a:solidFill>
-                  <a:srgbClr val="64686D"/>
-                </a:solidFill>
-                <a:effectLst/>
-                <a:latin typeface="Trebuchet MS" panose="020B0603020202020204" pitchFamily="34" charset="0"/>
-              </a:rPr>
-              <a:t> </a:t>
-            </a:r>
-            <a:r>
-              <a:rPr lang="pt-BR" sz="1600" b="0" i="1" dirty="0" err="1">
-                <a:solidFill>
-                  <a:srgbClr val="64686D"/>
-                </a:solidFill>
-                <a:effectLst/>
-                <a:latin typeface="Trebuchet MS" panose="020B0603020202020204" pitchFamily="34" charset="0"/>
-              </a:rPr>
-              <a:t>on</a:t>
-            </a:r>
-            <a:r>
-              <a:rPr lang="pt-BR" sz="1600" b="0" i="1" dirty="0">
-                <a:solidFill>
-                  <a:srgbClr val="64686D"/>
-                </a:solidFill>
-                <a:effectLst/>
-                <a:latin typeface="Trebuchet MS" panose="020B0603020202020204" pitchFamily="34" charset="0"/>
-              </a:rPr>
-              <a:t> a vertical </a:t>
-            </a:r>
-            <a:r>
-              <a:rPr lang="pt-BR" sz="1600" b="0" i="1" dirty="0" err="1">
-                <a:solidFill>
-                  <a:srgbClr val="64686D"/>
-                </a:solidFill>
-                <a:effectLst/>
-                <a:latin typeface="Trebuchet MS" panose="020B0603020202020204" pitchFamily="34" charset="0"/>
-              </a:rPr>
-              <a:t>steel</a:t>
-            </a:r>
-            <a:r>
-              <a:rPr lang="pt-BR" sz="1600" b="0" i="1" dirty="0">
-                <a:solidFill>
-                  <a:srgbClr val="64686D"/>
-                </a:solidFill>
-                <a:effectLst/>
-                <a:latin typeface="Trebuchet MS" panose="020B0603020202020204" pitchFamily="34" charset="0"/>
-              </a:rPr>
-              <a:t> </a:t>
-            </a:r>
-            <a:r>
-              <a:rPr lang="pt-BR" sz="1600" b="0" i="1" dirty="0" err="1">
-                <a:solidFill>
-                  <a:srgbClr val="64686D"/>
-                </a:solidFill>
-                <a:effectLst/>
-                <a:latin typeface="Trebuchet MS" panose="020B0603020202020204" pitchFamily="34" charset="0"/>
-              </a:rPr>
-              <a:t>rod</a:t>
-            </a:r>
-            <a:r>
-              <a:rPr lang="pt-BR" sz="1600" b="0" i="1" dirty="0">
-                <a:solidFill>
-                  <a:srgbClr val="64686D"/>
-                </a:solidFill>
-                <a:effectLst/>
-                <a:latin typeface="Trebuchet MS" panose="020B0603020202020204" pitchFamily="34" charset="0"/>
-              </a:rPr>
-              <a:t> </a:t>
-            </a:r>
-            <a:r>
-              <a:rPr lang="pt-BR" sz="1600" b="0" i="1" dirty="0" err="1">
-                <a:solidFill>
-                  <a:srgbClr val="64686D"/>
-                </a:solidFill>
-                <a:effectLst/>
-                <a:latin typeface="Trebuchet MS" panose="020B0603020202020204" pitchFamily="34" charset="0"/>
-              </a:rPr>
-              <a:t>may</a:t>
-            </a:r>
-            <a:r>
-              <a:rPr lang="pt-BR" sz="1600" b="0" i="1" dirty="0">
-                <a:solidFill>
-                  <a:srgbClr val="64686D"/>
-                </a:solidFill>
-                <a:effectLst/>
-                <a:latin typeface="Trebuchet MS" panose="020B0603020202020204" pitchFamily="34" charset="0"/>
-              </a:rPr>
-              <a:t> start </a:t>
-            </a:r>
-            <a:r>
-              <a:rPr lang="pt-BR" sz="1600" b="0" i="1" dirty="0" err="1">
-                <a:solidFill>
-                  <a:srgbClr val="64686D"/>
-                </a:solidFill>
-                <a:effectLst/>
-                <a:latin typeface="Trebuchet MS" panose="020B0603020202020204" pitchFamily="34" charset="0"/>
-              </a:rPr>
-              <a:t>spinning</a:t>
-            </a:r>
-            <a:r>
-              <a:rPr lang="pt-BR" sz="1600" b="0" i="1" dirty="0">
-                <a:solidFill>
-                  <a:srgbClr val="64686D"/>
-                </a:solidFill>
-                <a:effectLst/>
-                <a:latin typeface="Trebuchet MS" panose="020B0603020202020204" pitchFamily="34" charset="0"/>
-              </a:rPr>
-              <a:t> </a:t>
-            </a:r>
-            <a:r>
-              <a:rPr lang="pt-BR" sz="1600" b="0" i="1" dirty="0" err="1">
-                <a:solidFill>
-                  <a:srgbClr val="64686D"/>
-                </a:solidFill>
-                <a:effectLst/>
-                <a:latin typeface="Trebuchet MS" panose="020B0603020202020204" pitchFamily="34" charset="0"/>
-              </a:rPr>
-              <a:t>instead</a:t>
-            </a:r>
-            <a:r>
-              <a:rPr lang="pt-BR" sz="1600" b="0" i="1" dirty="0">
-                <a:solidFill>
-                  <a:srgbClr val="64686D"/>
-                </a:solidFill>
-                <a:effectLst/>
-                <a:latin typeface="Trebuchet MS" panose="020B0603020202020204" pitchFamily="34" charset="0"/>
-              </a:rPr>
-              <a:t> </a:t>
-            </a:r>
-            <a:r>
-              <a:rPr lang="pt-BR" sz="1600" b="0" i="1" dirty="0" err="1">
-                <a:solidFill>
-                  <a:srgbClr val="64686D"/>
-                </a:solidFill>
-                <a:effectLst/>
-                <a:latin typeface="Trebuchet MS" panose="020B0603020202020204" pitchFamily="34" charset="0"/>
-              </a:rPr>
-              <a:t>of</a:t>
-            </a:r>
-            <a:r>
-              <a:rPr lang="pt-BR" sz="1600" b="0" i="1" dirty="0">
-                <a:solidFill>
-                  <a:srgbClr val="64686D"/>
-                </a:solidFill>
-                <a:effectLst/>
-                <a:latin typeface="Trebuchet MS" panose="020B0603020202020204" pitchFamily="34" charset="0"/>
-              </a:rPr>
-              <a:t> </a:t>
-            </a:r>
-            <a:r>
-              <a:rPr lang="pt-BR" sz="1600" b="0" i="1" dirty="0" err="1">
-                <a:solidFill>
-                  <a:srgbClr val="64686D"/>
-                </a:solidFill>
-                <a:effectLst/>
-                <a:latin typeface="Trebuchet MS" panose="020B0603020202020204" pitchFamily="34" charset="0"/>
-              </a:rPr>
-              <a:t>simply</a:t>
-            </a:r>
-            <a:r>
-              <a:rPr lang="pt-BR" sz="1600" b="0" i="1" dirty="0">
-                <a:solidFill>
-                  <a:srgbClr val="64686D"/>
-                </a:solidFill>
-                <a:effectLst/>
-                <a:latin typeface="Trebuchet MS" panose="020B0603020202020204" pitchFamily="34" charset="0"/>
-              </a:rPr>
-              <a:t> </a:t>
-            </a:r>
-            <a:r>
-              <a:rPr lang="pt-BR" sz="1600" b="0" i="1" dirty="0" err="1">
-                <a:solidFill>
-                  <a:srgbClr val="64686D"/>
-                </a:solidFill>
-                <a:effectLst/>
-                <a:latin typeface="Trebuchet MS" panose="020B0603020202020204" pitchFamily="34" charset="0"/>
-              </a:rPr>
-              <a:t>sliding</a:t>
-            </a:r>
-            <a:r>
-              <a:rPr lang="pt-BR" sz="1600" b="0" i="1" dirty="0">
-                <a:solidFill>
-                  <a:srgbClr val="64686D"/>
-                </a:solidFill>
-                <a:effectLst/>
-                <a:latin typeface="Trebuchet MS" panose="020B0603020202020204" pitchFamily="34" charset="0"/>
-              </a:rPr>
-              <a:t> </a:t>
-            </a:r>
-            <a:r>
-              <a:rPr lang="pt-BR" sz="1600" b="0" i="1" dirty="0" err="1">
-                <a:solidFill>
-                  <a:srgbClr val="64686D"/>
-                </a:solidFill>
-                <a:effectLst/>
-                <a:latin typeface="Trebuchet MS" panose="020B0603020202020204" pitchFamily="34" charset="0"/>
-              </a:rPr>
-              <a:t>down</a:t>
-            </a:r>
-            <a:r>
-              <a:rPr lang="pt-BR" sz="1600" b="0" i="1" dirty="0">
-                <a:solidFill>
-                  <a:srgbClr val="64686D"/>
-                </a:solidFill>
-                <a:effectLst/>
-                <a:latin typeface="Trebuchet MS" panose="020B0603020202020204" pitchFamily="34" charset="0"/>
-              </a:rPr>
-              <a:t>. </a:t>
-            </a:r>
-            <a:r>
-              <a:rPr lang="pt-BR" sz="1600" b="0" i="1" dirty="0" err="1">
-                <a:solidFill>
-                  <a:srgbClr val="64686D"/>
-                </a:solidFill>
-                <a:effectLst/>
-                <a:latin typeface="Trebuchet MS" panose="020B0603020202020204" pitchFamily="34" charset="0"/>
-              </a:rPr>
-              <a:t>Study</a:t>
-            </a:r>
-            <a:r>
-              <a:rPr lang="pt-BR" sz="1600" b="0" i="1" dirty="0">
-                <a:solidFill>
-                  <a:srgbClr val="64686D"/>
-                </a:solidFill>
-                <a:effectLst/>
-                <a:latin typeface="Trebuchet MS" panose="020B0603020202020204" pitchFamily="34" charset="0"/>
-              </a:rPr>
-              <a:t> </a:t>
-            </a:r>
-            <a:r>
-              <a:rPr lang="pt-BR" sz="1600" b="0" i="1" dirty="0" err="1">
-                <a:solidFill>
-                  <a:srgbClr val="64686D"/>
-                </a:solidFill>
-                <a:effectLst/>
-                <a:latin typeface="Trebuchet MS" panose="020B0603020202020204" pitchFamily="34" charset="0"/>
-              </a:rPr>
-              <a:t>the</a:t>
-            </a:r>
-            <a:r>
-              <a:rPr lang="pt-BR" sz="1600" b="0" i="1" dirty="0">
-                <a:solidFill>
-                  <a:srgbClr val="64686D"/>
-                </a:solidFill>
-                <a:effectLst/>
-                <a:latin typeface="Trebuchet MS" panose="020B0603020202020204" pitchFamily="34" charset="0"/>
-              </a:rPr>
-              <a:t> </a:t>
-            </a:r>
-            <a:r>
-              <a:rPr lang="pt-BR" sz="1600" b="0" i="1" dirty="0" err="1">
-                <a:solidFill>
-                  <a:srgbClr val="64686D"/>
-                </a:solidFill>
-                <a:effectLst/>
-                <a:latin typeface="Trebuchet MS" panose="020B0603020202020204" pitchFamily="34" charset="0"/>
-              </a:rPr>
-              <a:t>motion</a:t>
-            </a:r>
-            <a:r>
-              <a:rPr lang="pt-BR" sz="1600" b="0" i="1" dirty="0">
-                <a:solidFill>
-                  <a:srgbClr val="64686D"/>
-                </a:solidFill>
-                <a:effectLst/>
-                <a:latin typeface="Trebuchet MS" panose="020B0603020202020204" pitchFamily="34" charset="0"/>
-              </a:rPr>
-              <a:t> </a:t>
-            </a:r>
-            <a:r>
-              <a:rPr lang="pt-BR" sz="1600" b="0" i="1" dirty="0" err="1">
-                <a:solidFill>
-                  <a:srgbClr val="64686D"/>
-                </a:solidFill>
-                <a:effectLst/>
-                <a:latin typeface="Trebuchet MS" panose="020B0603020202020204" pitchFamily="34" charset="0"/>
-              </a:rPr>
-              <a:t>of</a:t>
-            </a:r>
-            <a:r>
-              <a:rPr lang="pt-BR" sz="1600" b="0" i="1" dirty="0">
-                <a:solidFill>
-                  <a:srgbClr val="64686D"/>
-                </a:solidFill>
-                <a:effectLst/>
-                <a:latin typeface="Trebuchet MS" panose="020B0603020202020204" pitchFamily="34" charset="0"/>
-              </a:rPr>
-              <a:t> </a:t>
-            </a:r>
-            <a:r>
-              <a:rPr lang="pt-BR" sz="1600" b="0" i="1" dirty="0" err="1">
-                <a:solidFill>
-                  <a:srgbClr val="64686D"/>
-                </a:solidFill>
-                <a:effectLst/>
-                <a:latin typeface="Trebuchet MS" panose="020B0603020202020204" pitchFamily="34" charset="0"/>
-              </a:rPr>
-              <a:t>the</a:t>
-            </a:r>
-            <a:r>
-              <a:rPr lang="pt-BR" sz="1600" b="0" i="1" dirty="0">
-                <a:solidFill>
-                  <a:srgbClr val="64686D"/>
-                </a:solidFill>
-                <a:effectLst/>
-                <a:latin typeface="Trebuchet MS" panose="020B0603020202020204" pitchFamily="34" charset="0"/>
-              </a:rPr>
-              <a:t> </a:t>
-            </a:r>
-            <a:r>
-              <a:rPr lang="pt-BR" sz="1600" b="0" i="1" dirty="0" err="1">
-                <a:solidFill>
-                  <a:srgbClr val="64686D"/>
-                </a:solidFill>
-                <a:effectLst/>
-                <a:latin typeface="Trebuchet MS" panose="020B0603020202020204" pitchFamily="34" charset="0"/>
-              </a:rPr>
-              <a:t>washer</a:t>
-            </a:r>
-            <a:r>
-              <a:rPr lang="pt-BR" sz="1600" b="0" i="1" dirty="0">
-                <a:solidFill>
-                  <a:srgbClr val="64686D"/>
-                </a:solidFill>
-                <a:effectLst/>
-                <a:latin typeface="Trebuchet MS" panose="020B0603020202020204" pitchFamily="34" charset="0"/>
-              </a:rPr>
-              <a:t> </a:t>
-            </a:r>
-            <a:r>
-              <a:rPr lang="pt-BR" sz="1600" b="0" i="1" dirty="0" err="1">
-                <a:solidFill>
-                  <a:srgbClr val="64686D"/>
-                </a:solidFill>
-                <a:effectLst/>
-                <a:latin typeface="Trebuchet MS" panose="020B0603020202020204" pitchFamily="34" charset="0"/>
-              </a:rPr>
-              <a:t>and</a:t>
-            </a:r>
-            <a:r>
-              <a:rPr lang="pt-BR" sz="1600" b="0" i="1" dirty="0">
-                <a:solidFill>
-                  <a:srgbClr val="64686D"/>
-                </a:solidFill>
-                <a:effectLst/>
-                <a:latin typeface="Trebuchet MS" panose="020B0603020202020204" pitchFamily="34" charset="0"/>
-              </a:rPr>
-              <a:t> </a:t>
-            </a:r>
-            <a:r>
-              <a:rPr lang="pt-BR" sz="1600" b="0" i="1" dirty="0" err="1">
-                <a:solidFill>
-                  <a:srgbClr val="64686D"/>
-                </a:solidFill>
-                <a:effectLst/>
-                <a:latin typeface="Trebuchet MS" panose="020B0603020202020204" pitchFamily="34" charset="0"/>
-              </a:rPr>
-              <a:t>investigate</a:t>
-            </a:r>
-            <a:r>
-              <a:rPr lang="pt-BR" sz="1600" b="0" i="1" dirty="0">
-                <a:solidFill>
-                  <a:srgbClr val="64686D"/>
-                </a:solidFill>
-                <a:effectLst/>
-                <a:latin typeface="Trebuchet MS" panose="020B0603020202020204" pitchFamily="34" charset="0"/>
-              </a:rPr>
-              <a:t> </a:t>
-            </a:r>
-            <a:r>
-              <a:rPr lang="pt-BR" sz="1600" b="0" i="1" dirty="0" err="1">
-                <a:solidFill>
-                  <a:srgbClr val="64686D"/>
-                </a:solidFill>
-                <a:effectLst/>
-                <a:latin typeface="Trebuchet MS" panose="020B0603020202020204" pitchFamily="34" charset="0"/>
-              </a:rPr>
-              <a:t>what</a:t>
-            </a:r>
-            <a:r>
-              <a:rPr lang="pt-BR" sz="1600" b="0" i="1" dirty="0">
-                <a:solidFill>
-                  <a:srgbClr val="64686D"/>
-                </a:solidFill>
-                <a:effectLst/>
-                <a:latin typeface="Trebuchet MS" panose="020B0603020202020204" pitchFamily="34" charset="0"/>
-              </a:rPr>
-              <a:t> determines </a:t>
-            </a:r>
-            <a:r>
-              <a:rPr lang="pt-BR" sz="1600" b="0" i="1" dirty="0" err="1">
-                <a:solidFill>
-                  <a:srgbClr val="64686D"/>
-                </a:solidFill>
-                <a:effectLst/>
-                <a:latin typeface="Trebuchet MS" panose="020B0603020202020204" pitchFamily="34" charset="0"/>
-              </a:rPr>
-              <a:t>the</a:t>
-            </a:r>
-            <a:r>
-              <a:rPr lang="pt-BR" sz="1600" b="0" i="1" dirty="0">
-                <a:solidFill>
-                  <a:srgbClr val="64686D"/>
-                </a:solidFill>
-                <a:effectLst/>
-                <a:latin typeface="Trebuchet MS" panose="020B0603020202020204" pitchFamily="34" charset="0"/>
-              </a:rPr>
-              <a:t> terminal </a:t>
-            </a:r>
-            <a:r>
-              <a:rPr lang="pt-BR" sz="1600" b="0" i="1" dirty="0" err="1">
-                <a:solidFill>
-                  <a:srgbClr val="64686D"/>
-                </a:solidFill>
-                <a:effectLst/>
-                <a:latin typeface="Trebuchet MS" panose="020B0603020202020204" pitchFamily="34" charset="0"/>
-              </a:rPr>
-              <a:t>velocity</a:t>
-            </a:r>
-            <a:r>
-              <a:rPr lang="pt-BR" sz="1600" b="0" i="1" dirty="0">
-                <a:solidFill>
-                  <a:srgbClr val="64686D"/>
-                </a:solidFill>
-                <a:effectLst/>
-                <a:latin typeface="Trebuchet MS" panose="020B0603020202020204" pitchFamily="34" charset="0"/>
-              </a:rPr>
-              <a:t>.</a:t>
-            </a:r>
             <a:endParaRPr lang="pt-BR" sz="1600" i="1" dirty="0">
               <a:latin typeface="Trebuchet MS" panose="020B0603020202020204" pitchFamily="34" charset="0"/>
             </a:endParaRPr>
